--- a/Ethics Game.pptx
+++ b/Ethics Game.pptx
@@ -5,7 +5,7 @@
     <p:sldMasterId id="2147483648" r:id="rId1"/>
   </p:sldMasterIdLst>
   <p:sldIdLst>
-    <p:sldId id="268" r:id="rId2"/>
+    <p:sldId id="269" r:id="rId2"/>
     <p:sldId id="256" r:id="rId3"/>
     <p:sldId id="257" r:id="rId4"/>
     <p:sldId id="258" r:id="rId5"/>
@@ -17,6 +17,7 @@
     <p:sldId id="264" r:id="rId11"/>
     <p:sldId id="261" r:id="rId12"/>
     <p:sldId id="265" r:id="rId13"/>
+    <p:sldId id="268" r:id="rId14"/>
   </p:sldIdLst>
   <p:sldSz cx="9144000" cy="6858000" type="screen4x3"/>
   <p:notesSz cx="6858000" cy="9144000"/>
@@ -14738,21 +14739,22 @@
             <p:ph type="ctrTitle"/>
           </p:nvPr>
         </p:nvSpPr>
-        <p:spPr>
-          <a:xfrm>
-            <a:off x="609600" y="457200"/>
-            <a:ext cx="7772400" cy="1470025"/>
-          </a:xfrm>
-        </p:spPr>
+        <p:spPr/>
         <p:txBody>
-          <a:bodyPr/>
+          <a:bodyPr>
+            <a:normAutofit/>
+          </a:bodyPr>
           <a:lstStyle/>
           <a:p>
             <a:r>
-              <a:rPr lang="en-US" dirty="0" smtClean="0"/>
-              <a:t>Product Backlog</a:t>
+              <a:rPr lang="en-US" sz="6000" dirty="0" smtClean="0">
+                <a:latin typeface="Comic Sans MS" pitchFamily="66" charset="0"/>
+              </a:rPr>
+              <a:t>Ethics Game</a:t>
             </a:r>
-            <a:endParaRPr lang="en-US" dirty="0"/>
+            <a:endParaRPr lang="en-US" sz="6000" dirty="0">
+              <a:latin typeface="Comic Sans MS" pitchFamily="66" charset="0"/>
+            </a:endParaRPr>
           </a:p>
         </p:txBody>
       </p:sp>
@@ -14766,18 +14768,102 @@
             <p:ph type="subTitle" idx="1"/>
           </p:nvPr>
         </p:nvSpPr>
-        <p:spPr/>
+        <p:spPr>
+          <a:xfrm>
+            <a:off x="914400" y="3886200"/>
+            <a:ext cx="6858000" cy="2209800"/>
+          </a:xfrm>
+        </p:spPr>
+        <p:style>
+          <a:lnRef idx="1">
+            <a:schemeClr val="accent1"/>
+          </a:lnRef>
+          <a:fillRef idx="3">
+            <a:schemeClr val="accent1"/>
+          </a:fillRef>
+          <a:effectRef idx="2">
+            <a:schemeClr val="accent1"/>
+          </a:effectRef>
+          <a:fontRef idx="minor">
+            <a:schemeClr val="lt1"/>
+          </a:fontRef>
+        </p:style>
         <p:txBody>
-          <a:bodyPr/>
+          <a:bodyPr>
+            <a:normAutofit lnSpcReduction="10000"/>
+          </a:bodyPr>
           <a:lstStyle/>
           <a:p>
-            <a:endParaRPr lang="en-US"/>
+            <a:r>
+              <a:rPr lang="en-US" dirty="0" smtClean="0">
+                <a:solidFill>
+                  <a:schemeClr val="bg1"/>
+                </a:solidFill>
+              </a:rPr>
+              <a:t>Neeharika Kasarla</a:t>
+            </a:r>
+          </a:p>
+          <a:p>
+            <a:r>
+              <a:rPr lang="en-US" dirty="0" err="1" smtClean="0">
+                <a:solidFill>
+                  <a:schemeClr val="bg1"/>
+                </a:solidFill>
+              </a:rPr>
+              <a:t>Sai</a:t>
+            </a:r>
+            <a:r>
+              <a:rPr lang="en-US" dirty="0" smtClean="0">
+                <a:solidFill>
+                  <a:schemeClr val="bg1"/>
+                </a:solidFill>
+              </a:rPr>
+              <a:t> Rama Krishna </a:t>
+            </a:r>
+            <a:r>
+              <a:rPr lang="en-US" dirty="0" err="1" smtClean="0">
+                <a:solidFill>
+                  <a:schemeClr val="bg1"/>
+                </a:solidFill>
+              </a:rPr>
+              <a:t>Tummala</a:t>
+            </a:r>
+            <a:endParaRPr lang="en-US" dirty="0" smtClean="0">
+              <a:solidFill>
+                <a:schemeClr val="bg1"/>
+              </a:solidFill>
+            </a:endParaRPr>
+          </a:p>
+          <a:p>
+            <a:r>
+              <a:rPr lang="en-US" dirty="0" smtClean="0">
+                <a:solidFill>
+                  <a:schemeClr val="bg1"/>
+                </a:solidFill>
+              </a:rPr>
+              <a:t>Ben Shelton</a:t>
+            </a:r>
+          </a:p>
+          <a:p>
+            <a:r>
+              <a:rPr lang="en-US" dirty="0" smtClean="0">
+                <a:solidFill>
+                  <a:schemeClr val="bg1"/>
+                </a:solidFill>
+              </a:rPr>
+              <a:t>Daniel Bowen</a:t>
+            </a:r>
+            <a:endParaRPr lang="en-US" dirty="0">
+              <a:solidFill>
+                <a:schemeClr val="bg1"/>
+              </a:solidFill>
+            </a:endParaRPr>
           </a:p>
         </p:txBody>
       </p:sp>
       <p:pic>
         <p:nvPicPr>
-          <p:cNvPr id="6146" name="Picture 2"/>
+          <p:cNvPr id="7170" name="Picture 2" descr="C:\Users\Neeharika\AppData\Local\Microsoft\Windows\INetCache\IE\0RCCNWOH\Angry_Birds_2[1].png"/>
           <p:cNvPicPr>
             <a:picLocks noChangeAspect="1" noChangeArrowheads="1"/>
           </p:cNvPicPr>
@@ -14792,20 +14878,13 @@
         </p:blipFill>
         <p:spPr bwMode="auto">
           <a:xfrm>
-            <a:off x="88178" y="1524000"/>
-            <a:ext cx="9055822" cy="5181600"/>
+            <a:off x="3657600" y="457200"/>
+            <a:ext cx="2006600" cy="2006600"/>
           </a:xfrm>
           <a:prstGeom prst="rect">
             <a:avLst/>
           </a:prstGeom>
           <a:noFill/>
-          <a:ln w="9525">
-            <a:noFill/>
-            <a:miter lim="800000"/>
-            <a:headEnd/>
-            <a:tailEnd/>
-          </a:ln>
-          <a:effectLst/>
         </p:spPr>
       </p:pic>
     </p:spTree>
@@ -14813,13 +14892,6 @@
   <p:clrMapOvr>
     <a:masterClrMapping/>
   </p:clrMapOvr>
-  <p:timing>
-    <p:tnLst>
-      <p:par>
-        <p:cTn id="1" dur="indefinite" restart="never" nodeType="tmRoot"/>
-      </p:par>
-    </p:tnLst>
-  </p:timing>
 </p:sld>
 </file>
 
@@ -15209,6 +15281,118 @@
           <a:xfrm>
             <a:off x="1347788" y="185738"/>
             <a:ext cx="6448425" cy="6486525"/>
+          </a:xfrm>
+          <a:prstGeom prst="rect">
+            <a:avLst/>
+          </a:prstGeom>
+          <a:noFill/>
+          <a:ln w="9525">
+            <a:noFill/>
+            <a:miter lim="800000"/>
+            <a:headEnd/>
+            <a:tailEnd/>
+          </a:ln>
+          <a:effectLst/>
+        </p:spPr>
+      </p:pic>
+    </p:spTree>
+  </p:cSld>
+  <p:clrMapOvr>
+    <a:masterClrMapping/>
+  </p:clrMapOvr>
+  <p:timing>
+    <p:tnLst>
+      <p:par>
+        <p:cTn id="1" dur="indefinite" restart="never" nodeType="tmRoot"/>
+      </p:par>
+    </p:tnLst>
+  </p:timing>
+</p:sld>
+</file>
+
+<file path=ppt/slides/slide13.xml><?xml version="1.0" encoding="utf-8"?>
+<p:sld xmlns:a="http://schemas.openxmlformats.org/drawingml/2006/main" xmlns:r="http://schemas.openxmlformats.org/officeDocument/2006/relationships" xmlns:p="http://schemas.openxmlformats.org/presentationml/2006/main">
+  <p:cSld>
+    <p:spTree>
+      <p:nvGrpSpPr>
+        <p:cNvPr id="1" name=""/>
+        <p:cNvGrpSpPr/>
+        <p:nvPr/>
+      </p:nvGrpSpPr>
+      <p:grpSpPr>
+        <a:xfrm>
+          <a:off x="0" y="0"/>
+          <a:ext cx="0" cy="0"/>
+          <a:chOff x="0" y="0"/>
+          <a:chExt cx="0" cy="0"/>
+        </a:xfrm>
+      </p:grpSpPr>
+      <p:sp>
+        <p:nvSpPr>
+          <p:cNvPr id="2" name="Title 1"/>
+          <p:cNvSpPr>
+            <a:spLocks noGrp="1"/>
+          </p:cNvSpPr>
+          <p:nvPr>
+            <p:ph type="ctrTitle"/>
+          </p:nvPr>
+        </p:nvSpPr>
+        <p:spPr>
+          <a:xfrm>
+            <a:off x="609600" y="457200"/>
+            <a:ext cx="7772400" cy="1470025"/>
+          </a:xfrm>
+        </p:spPr>
+        <p:txBody>
+          <a:bodyPr/>
+          <a:lstStyle/>
+          <a:p>
+            <a:r>
+              <a:rPr lang="en-US" dirty="0" smtClean="0"/>
+              <a:t>Product Backlog</a:t>
+            </a:r>
+            <a:endParaRPr lang="en-US" dirty="0"/>
+          </a:p>
+        </p:txBody>
+      </p:sp>
+      <p:sp>
+        <p:nvSpPr>
+          <p:cNvPr id="3" name="Subtitle 2"/>
+          <p:cNvSpPr>
+            <a:spLocks noGrp="1"/>
+          </p:cNvSpPr>
+          <p:nvPr>
+            <p:ph type="subTitle" idx="1"/>
+          </p:nvPr>
+        </p:nvSpPr>
+        <p:spPr/>
+        <p:txBody>
+          <a:bodyPr/>
+          <a:lstStyle/>
+          <a:p>
+            <a:endParaRPr lang="en-US"/>
+          </a:p>
+        </p:txBody>
+      </p:sp>
+      <p:pic>
+        <p:nvPicPr>
+          <p:cNvPr id="6146" name="Picture 2"/>
+          <p:cNvPicPr>
+            <a:picLocks noChangeAspect="1" noChangeArrowheads="1"/>
+          </p:cNvPicPr>
+          <p:nvPr/>
+        </p:nvPicPr>
+        <p:blipFill>
+          <a:blip r:embed="rId2"/>
+          <a:srcRect/>
+          <a:stretch>
+            <a:fillRect/>
+          </a:stretch>
+        </p:blipFill>
+        <p:spPr bwMode="auto">
+          <a:xfrm>
+            <a:off x="88178" y="1524000"/>
+            <a:ext cx="9055822" cy="5181600"/>
           </a:xfrm>
           <a:prstGeom prst="rect">
             <a:avLst/>
